--- a/DLTE-MYBANK-PROJECT/DLTE-MYBANK/My Bank-Deposits Module.pptx
+++ b/DLTE-MYBANK-PROJECT/DLTE-MYBANK/My Bank-Deposits Module.pptx
@@ -7,11 +7,15 @@
   <p:sldIdLst>
     <p:sldId id="256" r:id="rId2"/>
     <p:sldId id="257" r:id="rId3"/>
-    <p:sldId id="258" r:id="rId4"/>
-    <p:sldId id="259" r:id="rId5"/>
-    <p:sldId id="260" r:id="rId6"/>
-    <p:sldId id="262" r:id="rId7"/>
-    <p:sldId id="263" r:id="rId8"/>
+    <p:sldId id="265" r:id="rId4"/>
+    <p:sldId id="266" r:id="rId5"/>
+    <p:sldId id="258" r:id="rId6"/>
+    <p:sldId id="259" r:id="rId7"/>
+    <p:sldId id="260" r:id="rId8"/>
+    <p:sldId id="267" r:id="rId9"/>
+    <p:sldId id="268" r:id="rId10"/>
+    <p:sldId id="262" r:id="rId11"/>
+    <p:sldId id="263" r:id="rId12"/>
   </p:sldIdLst>
   <p:sldSz cx="12192000" cy="6858000"/>
   <p:notesSz cx="6858000" cy="9144000"/>
@@ -580,7 +584,7 @@
           <a:p>
             <a:fld id="{3341EE12-F28E-4B03-A404-A8FCAE0F6316}" type="datetime1">
               <a:rPr lang="en-US" smtClean="0"/>
-              <a:t>4/8/2024</a:t>
+              <a:t>5/6/2024</a:t>
             </a:fld>
             <a:endParaRPr lang="en-US" dirty="0"/>
           </a:p>
@@ -782,7 +786,7 @@
           <a:p>
             <a:fld id="{B68B8189-0D9C-48A6-9FA3-862227B094CE}" type="datetime1">
               <a:rPr lang="en-US" smtClean="0"/>
-              <a:t>4/8/2024</a:t>
+              <a:t>5/6/2024</a:t>
             </a:fld>
             <a:endParaRPr lang="en-US"/>
           </a:p>
@@ -962,7 +966,7 @@
           <a:p>
             <a:fld id="{26ADDCAE-6443-42C3-9C19-F95985500186}" type="datetime1">
               <a:rPr lang="en-US" smtClean="0"/>
-              <a:t>4/8/2024</a:t>
+              <a:t>5/6/2024</a:t>
             </a:fld>
             <a:endParaRPr lang="en-US" dirty="0"/>
           </a:p>
@@ -1132,7 +1136,7 @@
           <a:p>
             <a:fld id="{1962799E-EB8E-4038-8063-81BB57C732D4}" type="datetime1">
               <a:rPr lang="en-US" smtClean="0"/>
-              <a:t>4/8/2024</a:t>
+              <a:t>5/6/2024</a:t>
             </a:fld>
             <a:endParaRPr lang="en-US"/>
           </a:p>
@@ -1703,7 +1707,7 @@
           <a:p>
             <a:fld id="{217A73C3-B243-44D3-809D-EF8FDFBD85D4}" type="datetime1">
               <a:rPr lang="en-US" smtClean="0"/>
-              <a:t>4/8/2024</a:t>
+              <a:t>5/6/2024</a:t>
             </a:fld>
             <a:endParaRPr lang="en-US" dirty="0"/>
           </a:p>
@@ -2005,7 +2009,7 @@
           <a:p>
             <a:fld id="{C9B6D3E3-28E2-4380-A113-67698215C5F8}" type="datetime1">
               <a:rPr lang="en-US" smtClean="0"/>
-              <a:t>4/8/2024</a:t>
+              <a:t>5/6/2024</a:t>
             </a:fld>
             <a:endParaRPr lang="en-US" dirty="0"/>
           </a:p>
@@ -2442,7 +2446,7 @@
           <a:p>
             <a:fld id="{A9EFCB61-04AD-47C9-BF79-2BD8B9CEC07A}" type="datetime1">
               <a:rPr lang="en-US" smtClean="0"/>
-              <a:t>4/8/2024</a:t>
+              <a:t>5/6/2024</a:t>
             </a:fld>
             <a:endParaRPr lang="en-US" dirty="0"/>
           </a:p>
@@ -2560,7 +2564,7 @@
           <a:p>
             <a:fld id="{A4535E0C-D585-492F-8146-7493F4086301}" type="datetime1">
               <a:rPr lang="en-US" smtClean="0"/>
-              <a:t>4/8/2024</a:t>
+              <a:t>5/6/2024</a:t>
             </a:fld>
             <a:endParaRPr lang="en-US"/>
           </a:p>
@@ -2655,7 +2659,7 @@
           <a:p>
             <a:fld id="{8CE48390-48B5-49AB-B019-A7C8FB8C31F6}" type="datetime1">
               <a:rPr lang="en-US" smtClean="0"/>
-              <a:t>4/8/2024</a:t>
+              <a:t>5/6/2024</a:t>
             </a:fld>
             <a:endParaRPr lang="en-US"/>
           </a:p>
@@ -3037,7 +3041,7 @@
           <a:p>
             <a:fld id="{962E767E-8A14-4E70-91B9-2101CBC4D7BD}" type="datetime1">
               <a:rPr lang="en-US" smtClean="0"/>
-              <a:t>4/8/2024</a:t>
+              <a:t>5/6/2024</a:t>
             </a:fld>
             <a:endParaRPr lang="en-US" dirty="0"/>
           </a:p>
@@ -3431,7 +3435,7 @@
           <a:p>
             <a:fld id="{01AF0C4B-5A4A-45CA-ABEC-10F107160D33}" type="datetime1">
               <a:rPr lang="en-US" smtClean="0"/>
-              <a:t>4/8/2024</a:t>
+              <a:t>5/6/2024</a:t>
             </a:fld>
             <a:endParaRPr lang="en-US" dirty="0"/>
           </a:p>
@@ -3744,7 +3748,7 @@
           <a:p>
             <a:fld id="{6989806E-8E94-473C-AEE7-BE6F15F85533}" type="datetime1">
               <a:rPr lang="en-US" smtClean="0"/>
-              <a:t>4/8/2024</a:t>
+              <a:t>5/6/2024</a:t>
             </a:fld>
             <a:endParaRPr lang="en-US" dirty="0"/>
           </a:p>
@@ -4331,8 +4335,23 @@
                   <a:srgbClr val="FFFFFF"/>
                 </a:solidFill>
               </a:rPr>
-              <a:t>Revenue Rulers</a:t>
-            </a:r>
+              <a:t>Revenue Rulers </a:t>
+            </a:r>
+          </a:p>
+          <a:p>
+            <a:r>
+              <a:rPr lang="en-US" dirty="0" err="1">
+                <a:solidFill>
+                  <a:srgbClr val="FFFFFF"/>
+                </a:solidFill>
+              </a:rPr>
+              <a:t>Module:Deposits</a:t>
+            </a:r>
+            <a:endParaRPr lang="en-US" dirty="0">
+              <a:solidFill>
+                <a:srgbClr val="FFFFFF"/>
+              </a:solidFill>
+            </a:endParaRPr>
           </a:p>
           <a:p>
             <a:r>
@@ -4350,6 +4369,264 @@
     <p:extLst>
       <p:ext uri="{BB962C8B-B14F-4D97-AF65-F5344CB8AC3E}">
         <p14:creationId xmlns:p14="http://schemas.microsoft.com/office/powerpoint/2010/main" val="1936527815"/>
+      </p:ext>
+    </p:extLst>
+  </p:cSld>
+  <p:clrMapOvr>
+    <a:masterClrMapping/>
+  </p:clrMapOvr>
+</p:sld>
+</file>
+
+<file path=ppt/slides/slide10.xml><?xml version="1.0" encoding="utf-8"?>
+<p:sld xmlns:a="http://schemas.openxmlformats.org/drawingml/2006/main" xmlns:r="http://schemas.openxmlformats.org/officeDocument/2006/relationships" xmlns:p="http://schemas.openxmlformats.org/presentationml/2006/main">
+  <p:cSld>
+    <p:spTree>
+      <p:nvGrpSpPr>
+        <p:cNvPr id="1" name=""/>
+        <p:cNvGrpSpPr/>
+        <p:nvPr/>
+      </p:nvGrpSpPr>
+      <p:grpSpPr>
+        <a:xfrm>
+          <a:off x="0" y="0"/>
+          <a:ext cx="0" cy="0"/>
+          <a:chOff x="0" y="0"/>
+          <a:chExt cx="0" cy="0"/>
+        </a:xfrm>
+      </p:grpSpPr>
+      <p:sp>
+        <p:nvSpPr>
+          <p:cNvPr id="2" name="Title 1">
+            <a:extLst>
+              <a:ext uri="{FF2B5EF4-FFF2-40B4-BE49-F238E27FC236}">
+                <a16:creationId xmlns:a16="http://schemas.microsoft.com/office/drawing/2014/main" id="{903E5DC0-82CC-8F26-E395-50B70F43BB17}"/>
+              </a:ext>
+            </a:extLst>
+          </p:cNvPr>
+          <p:cNvSpPr>
+            <a:spLocks noGrp="1"/>
+          </p:cNvSpPr>
+          <p:nvPr>
+            <p:ph type="title"/>
+          </p:nvPr>
+        </p:nvSpPr>
+        <p:spPr>
+          <a:xfrm>
+            <a:off x="889462" y="858982"/>
+            <a:ext cx="10252912" cy="313113"/>
+          </a:xfrm>
+        </p:spPr>
+        <p:txBody>
+          <a:bodyPr>
+            <a:normAutofit fontScale="90000"/>
+          </a:bodyPr>
+          <a:lstStyle/>
+          <a:p>
+            <a:br>
+              <a:rPr lang="en-US" sz="8800" dirty="0">
+                <a:solidFill>
+                  <a:srgbClr val="FFFFFF"/>
+                </a:solidFill>
+              </a:rPr>
+            </a:br>
+            <a:r>
+              <a:rPr lang="en-US" sz="4000" b="1" dirty="0">
+                <a:solidFill>
+                  <a:schemeClr val="tx1"/>
+                </a:solidFill>
+                <a:latin typeface="Times New Roman" panose="02020603050405020304" pitchFamily="18" charset="0"/>
+                <a:cs typeface="Times New Roman" panose="02020603050405020304" pitchFamily="18" charset="0"/>
+              </a:rPr>
+              <a:t>Jar File</a:t>
+            </a:r>
+            <a:br>
+              <a:rPr lang="en-US" sz="8800" dirty="0">
+                <a:solidFill>
+                  <a:srgbClr val="FFFFFF"/>
+                </a:solidFill>
+              </a:rPr>
+            </a:br>
+            <a:r>
+              <a:rPr lang="en-US" sz="2700" dirty="0">
+                <a:solidFill>
+                  <a:schemeClr val="tx1"/>
+                </a:solidFill>
+                <a:latin typeface="Times New Roman" panose="02020603050405020304" pitchFamily="18" charset="0"/>
+                <a:cs typeface="Times New Roman" panose="02020603050405020304" pitchFamily="18" charset="0"/>
+              </a:rPr>
+              <a:t>mybankdeposit-0.0.1-SNAPSHOT.jar</a:t>
+            </a:r>
+            <a:endParaRPr lang="en-US" sz="2700" dirty="0">
+              <a:solidFill>
+                <a:schemeClr val="tx1"/>
+              </a:solidFill>
+            </a:endParaRPr>
+          </a:p>
+        </p:txBody>
+      </p:sp>
+      <p:sp>
+        <p:nvSpPr>
+          <p:cNvPr id="3" name="Content Placeholder 2">
+            <a:extLst>
+              <a:ext uri="{FF2B5EF4-FFF2-40B4-BE49-F238E27FC236}">
+                <a16:creationId xmlns:a16="http://schemas.microsoft.com/office/drawing/2014/main" id="{2A926A9C-4C98-17B0-3FDF-533C779E0892}"/>
+              </a:ext>
+            </a:extLst>
+          </p:cNvPr>
+          <p:cNvSpPr>
+            <a:spLocks noGrp="1"/>
+          </p:cNvSpPr>
+          <p:nvPr>
+            <p:ph idx="1"/>
+          </p:nvPr>
+        </p:nvSpPr>
+        <p:spPr>
+          <a:xfrm>
+            <a:off x="761799" y="2934394"/>
+            <a:ext cx="10381205" cy="3077522"/>
+          </a:xfrm>
+        </p:spPr>
+        <p:txBody>
+          <a:bodyPr>
+            <a:normAutofit/>
+          </a:bodyPr>
+          <a:lstStyle/>
+          <a:p>
+            <a:pPr marL="0" indent="0">
+              <a:buNone/>
+            </a:pPr>
+            <a:r>
+              <a:rPr lang="en-US" sz="2800" b="1" dirty="0" err="1">
+                <a:latin typeface="Times New Roman" panose="02020603050405020304" pitchFamily="18" charset="0"/>
+                <a:cs typeface="Times New Roman" panose="02020603050405020304" pitchFamily="18" charset="0"/>
+              </a:rPr>
+              <a:t>Github</a:t>
+            </a:r>
+            <a:r>
+              <a:rPr lang="en-US" sz="2800" b="1" dirty="0">
+                <a:latin typeface="Times New Roman" panose="02020603050405020304" pitchFamily="18" charset="0"/>
+                <a:cs typeface="Times New Roman" panose="02020603050405020304" pitchFamily="18" charset="0"/>
+              </a:rPr>
+              <a:t> Link</a:t>
+            </a:r>
+          </a:p>
+          <a:p>
+            <a:pPr marL="0" indent="0">
+              <a:buNone/>
+            </a:pPr>
+            <a:r>
+              <a:rPr lang="en-US" sz="2400" dirty="0"/>
+              <a:t>https://github.com/Akshirahegde/DLTE-JAVA-FULL-STACK-AKSHIRA-2024/tree/master/DLTE-MYBANK-PROJECT</a:t>
+            </a:r>
+          </a:p>
+        </p:txBody>
+      </p:sp>
+    </p:spTree>
+    <p:extLst>
+      <p:ext uri="{BB962C8B-B14F-4D97-AF65-F5344CB8AC3E}">
+        <p14:creationId xmlns:p14="http://schemas.microsoft.com/office/powerpoint/2010/main" val="1244954861"/>
+      </p:ext>
+    </p:extLst>
+  </p:cSld>
+  <p:clrMapOvr>
+    <a:masterClrMapping/>
+  </p:clrMapOvr>
+</p:sld>
+</file>
+
+<file path=ppt/slides/slide11.xml><?xml version="1.0" encoding="utf-8"?>
+<p:sld xmlns:a="http://schemas.openxmlformats.org/drawingml/2006/main" xmlns:r="http://schemas.openxmlformats.org/officeDocument/2006/relationships" xmlns:p="http://schemas.openxmlformats.org/presentationml/2006/main">
+  <p:cSld>
+    <p:spTree>
+      <p:nvGrpSpPr>
+        <p:cNvPr id="1" name=""/>
+        <p:cNvGrpSpPr/>
+        <p:nvPr/>
+      </p:nvGrpSpPr>
+      <p:grpSpPr>
+        <a:xfrm>
+          <a:off x="0" y="0"/>
+          <a:ext cx="0" cy="0"/>
+          <a:chOff x="0" y="0"/>
+          <a:chExt cx="0" cy="0"/>
+        </a:xfrm>
+      </p:grpSpPr>
+      <p:sp>
+        <p:nvSpPr>
+          <p:cNvPr id="2" name="Title 1">
+            <a:extLst>
+              <a:ext uri="{FF2B5EF4-FFF2-40B4-BE49-F238E27FC236}">
+                <a16:creationId xmlns:a16="http://schemas.microsoft.com/office/drawing/2014/main" id="{532D2CFE-28F7-EA2F-F425-C1E2BE06F928}"/>
+              </a:ext>
+            </a:extLst>
+          </p:cNvPr>
+          <p:cNvSpPr>
+            <a:spLocks noGrp="1"/>
+          </p:cNvSpPr>
+          <p:nvPr>
+            <p:ph type="title"/>
+          </p:nvPr>
+        </p:nvSpPr>
+        <p:spPr>
+          <a:xfrm>
+            <a:off x="260466" y="509590"/>
+            <a:ext cx="10058400" cy="1371600"/>
+          </a:xfrm>
+        </p:spPr>
+        <p:txBody>
+          <a:bodyPr/>
+          <a:lstStyle/>
+          <a:p>
+            <a:endParaRPr lang="en-US" dirty="0"/>
+          </a:p>
+        </p:txBody>
+      </p:sp>
+      <p:sp>
+        <p:nvSpPr>
+          <p:cNvPr id="3" name="Content Placeholder 2">
+            <a:extLst>
+              <a:ext uri="{FF2B5EF4-FFF2-40B4-BE49-F238E27FC236}">
+                <a16:creationId xmlns:a16="http://schemas.microsoft.com/office/drawing/2014/main" id="{758D1AD4-3B14-920E-A328-68DDE5442681}"/>
+              </a:ext>
+            </a:extLst>
+          </p:cNvPr>
+          <p:cNvSpPr>
+            <a:spLocks noGrp="1"/>
+          </p:cNvSpPr>
+          <p:nvPr>
+            <p:ph idx="1"/>
+          </p:nvPr>
+        </p:nvSpPr>
+        <p:spPr>
+          <a:xfrm>
+            <a:off x="3616036" y="2892828"/>
+            <a:ext cx="7509164" cy="3142211"/>
+          </a:xfrm>
+        </p:spPr>
+        <p:txBody>
+          <a:bodyPr>
+            <a:normAutofit/>
+          </a:bodyPr>
+          <a:lstStyle/>
+          <a:p>
+            <a:pPr marL="0" indent="0">
+              <a:buNone/>
+            </a:pPr>
+            <a:r>
+              <a:rPr lang="en-US" sz="4800" dirty="0">
+                <a:latin typeface="Times New Roman" panose="02020603050405020304" pitchFamily="18" charset="0"/>
+                <a:cs typeface="Times New Roman" panose="02020603050405020304" pitchFamily="18" charset="0"/>
+              </a:rPr>
+              <a:t>THANK YOU</a:t>
+            </a:r>
+          </a:p>
+        </p:txBody>
+      </p:sp>
+    </p:spTree>
+    <p:extLst>
+      <p:ext uri="{BB962C8B-B14F-4D97-AF65-F5344CB8AC3E}">
+        <p14:creationId xmlns:p14="http://schemas.microsoft.com/office/powerpoint/2010/main" val="1664934840"/>
       </p:ext>
     </p:extLst>
   </p:cSld>
@@ -4673,7 +4950,7 @@
           <p:cNvPr id="2" name="Title 1">
             <a:extLst>
               <a:ext uri="{FF2B5EF4-FFF2-40B4-BE49-F238E27FC236}">
-                <a16:creationId xmlns:a16="http://schemas.microsoft.com/office/drawing/2014/main" id="{2BA08951-66D6-0A02-6EF0-52AD9F6CE2CA}"/>
+                <a16:creationId xmlns:a16="http://schemas.microsoft.com/office/drawing/2014/main" id="{DD18A76D-626E-F016-43DA-5CB2B86A8266}"/>
               </a:ext>
             </a:extLst>
           </p:cNvPr>
@@ -4684,76 +4961,85 @@
             <p:ph type="title"/>
           </p:nvPr>
         </p:nvSpPr>
-        <p:spPr>
-          <a:xfrm>
-            <a:off x="761801" y="101601"/>
-            <a:ext cx="10380573" cy="894080"/>
-          </a:xfrm>
-        </p:spPr>
+        <p:spPr/>
         <p:txBody>
           <a:bodyPr/>
           <a:lstStyle/>
           <a:p>
             <a:r>
               <a:rPr lang="en-US" dirty="0"/>
-              <a:t>ER Diagram</a:t>
-            </a:r>
-          </a:p>
-        </p:txBody>
-      </p:sp>
-      <p:pic>
-        <p:nvPicPr>
-          <p:cNvPr id="1026" name="Picture 2">
+              <a:t>View Deposits Module</a:t>
+            </a:r>
+          </a:p>
+        </p:txBody>
+      </p:sp>
+      <p:sp>
+        <p:nvSpPr>
+          <p:cNvPr id="3" name="Content Placeholder 2">
             <a:extLst>
               <a:ext uri="{FF2B5EF4-FFF2-40B4-BE49-F238E27FC236}">
-                <a16:creationId xmlns:a16="http://schemas.microsoft.com/office/drawing/2014/main" id="{C46FC689-F708-41D1-347D-5CE4161DA4EA}"/>
+                <a16:creationId xmlns:a16="http://schemas.microsoft.com/office/drawing/2014/main" id="{445AB3EA-342C-013B-2970-733CD7367433}"/>
               </a:ext>
             </a:extLst>
           </p:cNvPr>
-          <p:cNvPicPr>
-            <a:picLocks noGrp="1" noChangeAspect="1" noChangeArrowheads="1"/>
-          </p:cNvPicPr>
+          <p:cNvSpPr>
+            <a:spLocks noGrp="1"/>
+          </p:cNvSpPr>
           <p:nvPr>
             <p:ph idx="1"/>
           </p:nvPr>
-        </p:nvPicPr>
-        <p:blipFill>
-          <a:blip r:embed="rId2">
-            <a:extLst>
-              <a:ext uri="{28A0092B-C50C-407E-A947-70E740481C1C}">
-                <a14:useLocalDpi xmlns:a14="http://schemas.microsoft.com/office/drawing/2010/main" val="0"/>
-              </a:ext>
-            </a:extLst>
-          </a:blip>
-          <a:srcRect/>
-          <a:stretch>
-            <a:fillRect/>
-          </a:stretch>
-        </p:blipFill>
-        <p:spPr bwMode="auto">
-          <a:xfrm>
-            <a:off x="680720" y="1168400"/>
-            <a:ext cx="10461654" cy="5394960"/>
-          </a:xfrm>
-          <a:prstGeom prst="rect">
-            <a:avLst/>
-          </a:prstGeom>
-          <a:noFill/>
-          <a:extLst>
-            <a:ext uri="{909E8E84-426E-40DD-AFC4-6F175D3DCCD1}">
-              <a14:hiddenFill xmlns:a14="http://schemas.microsoft.com/office/drawing/2010/main">
-                <a:solidFill>
-                  <a:srgbClr val="FFFFFF"/>
-                </a:solidFill>
-              </a14:hiddenFill>
-            </a:ext>
-          </a:extLst>
-        </p:spPr>
-      </p:pic>
+        </p:nvSpPr>
+        <p:spPr>
+          <a:xfrm>
+            <a:off x="1066800" y="2310063"/>
+            <a:ext cx="10058400" cy="3724977"/>
+          </a:xfrm>
+        </p:spPr>
+        <p:txBody>
+          <a:bodyPr>
+            <a:normAutofit/>
+          </a:bodyPr>
+          <a:lstStyle/>
+          <a:p>
+            <a:r>
+              <a:rPr lang="en-US" dirty="0"/>
+              <a:t>Upon the successful login ,the dashboard is displayed which contains the different modules.</a:t>
+            </a:r>
+          </a:p>
+          <a:p>
+            <a:r>
+              <a:rPr lang="en-US" dirty="0"/>
+              <a:t>On clicking the deposits ,we get the dropdown menu to view the deposits which displays all the available deposits in cards.</a:t>
+            </a:r>
+          </a:p>
+          <a:p>
+            <a:r>
+              <a:rPr lang="en-US" dirty="0"/>
+              <a:t>On clicking Know More ,the modal view is displayed with the deposit name as title and has the deposit </a:t>
+            </a:r>
+            <a:r>
+              <a:rPr lang="en-US" dirty="0" err="1"/>
+              <a:t>roi</a:t>
+            </a:r>
+            <a:r>
+              <a:rPr lang="en-US" dirty="0"/>
+              <a:t> ,</a:t>
+            </a:r>
+            <a:r>
+              <a:rPr lang="en-US" dirty="0" err="1"/>
+              <a:t>depost</a:t>
+            </a:r>
+            <a:r>
+              <a:rPr lang="en-US" dirty="0"/>
+              <a:t> type and description. It contains two buttons to apply the deposits and calculate the deposits.</a:t>
+            </a:r>
+          </a:p>
+        </p:txBody>
+      </p:sp>
     </p:spTree>
     <p:extLst>
       <p:ext uri="{BB962C8B-B14F-4D97-AF65-F5344CB8AC3E}">
-        <p14:creationId xmlns:p14="http://schemas.microsoft.com/office/powerpoint/2010/main" val="2415892304"/>
+        <p14:creationId xmlns:p14="http://schemas.microsoft.com/office/powerpoint/2010/main" val="3647889277"/>
       </p:ext>
     </p:extLst>
   </p:cSld>
@@ -4785,7 +5071,7 @@
           <p:cNvPr id="2" name="Title 1">
             <a:extLst>
               <a:ext uri="{FF2B5EF4-FFF2-40B4-BE49-F238E27FC236}">
-                <a16:creationId xmlns:a16="http://schemas.microsoft.com/office/drawing/2014/main" id="{BE7C9FC2-3CFF-DFC6-1B48-33FC31FC8F0F}"/>
+                <a16:creationId xmlns:a16="http://schemas.microsoft.com/office/drawing/2014/main" id="{AAFD433F-8240-E099-4F57-5C088C86A62F}"/>
               </a:ext>
             </a:extLst>
           </p:cNvPr>
@@ -4796,78 +5082,89 @@
             <p:ph type="title"/>
           </p:nvPr>
         </p:nvSpPr>
-        <p:spPr>
-          <a:xfrm>
-            <a:off x="761801" y="254000"/>
-            <a:ext cx="10380573" cy="592085"/>
-          </a:xfrm>
-        </p:spPr>
-        <p:txBody>
-          <a:bodyPr>
-            <a:normAutofit fontScale="90000"/>
-          </a:bodyPr>
+        <p:spPr/>
+        <p:txBody>
+          <a:bodyPr/>
           <a:lstStyle/>
           <a:p>
             <a:r>
               <a:rPr lang="en-US" dirty="0"/>
-              <a:t>Flowchart</a:t>
-            </a:r>
-          </a:p>
-        </p:txBody>
-      </p:sp>
-      <p:pic>
-        <p:nvPicPr>
-          <p:cNvPr id="2050" name="Picture 2">
+              <a:t>Calculate Maturity </a:t>
+            </a:r>
+            <a:r>
+              <a:rPr lang="en-US" dirty="0" err="1"/>
+              <a:t>Modue</a:t>
+            </a:r>
+            <a:endParaRPr lang="en-US" dirty="0"/>
+          </a:p>
+        </p:txBody>
+      </p:sp>
+      <p:sp>
+        <p:nvSpPr>
+          <p:cNvPr id="3" name="Content Placeholder 2">
             <a:extLst>
               <a:ext uri="{FF2B5EF4-FFF2-40B4-BE49-F238E27FC236}">
-                <a16:creationId xmlns:a16="http://schemas.microsoft.com/office/drawing/2014/main" id="{1114B839-EA65-ED62-8593-5F95E1B77C65}"/>
+                <a16:creationId xmlns:a16="http://schemas.microsoft.com/office/drawing/2014/main" id="{51F612E0-08B7-0144-8B27-B73FAB6D5E46}"/>
               </a:ext>
             </a:extLst>
           </p:cNvPr>
-          <p:cNvPicPr>
-            <a:picLocks noGrp="1" noChangeAspect="1" noChangeArrowheads="1"/>
-          </p:cNvPicPr>
+          <p:cNvSpPr>
+            <a:spLocks noGrp="1"/>
+          </p:cNvSpPr>
           <p:nvPr>
             <p:ph idx="1"/>
           </p:nvPr>
-        </p:nvPicPr>
-        <p:blipFill>
-          <a:blip r:embed="rId2">
-            <a:extLst>
-              <a:ext uri="{28A0092B-C50C-407E-A947-70E740481C1C}">
-                <a14:useLocalDpi xmlns:a14="http://schemas.microsoft.com/office/drawing/2010/main" val="0"/>
-              </a:ext>
-            </a:extLst>
-          </a:blip>
-          <a:srcRect/>
-          <a:stretch>
-            <a:fillRect/>
-          </a:stretch>
-        </p:blipFill>
-        <p:spPr bwMode="auto">
-          <a:xfrm>
-            <a:off x="1066800" y="1076325"/>
-            <a:ext cx="10190480" cy="4935538"/>
-          </a:xfrm>
-          <a:prstGeom prst="rect">
-            <a:avLst/>
-          </a:prstGeom>
-          <a:noFill/>
-          <a:extLst>
-            <a:ext uri="{909E8E84-426E-40DD-AFC4-6F175D3DCCD1}">
-              <a14:hiddenFill xmlns:a14="http://schemas.microsoft.com/office/drawing/2010/main">
-                <a:solidFill>
-                  <a:srgbClr val="FFFFFF"/>
-                </a:solidFill>
-              </a14:hiddenFill>
-            </a:ext>
-          </a:extLst>
-        </p:spPr>
-      </p:pic>
+        </p:nvSpPr>
+        <p:spPr/>
+        <p:txBody>
+          <a:bodyPr/>
+          <a:lstStyle/>
+          <a:p>
+            <a:r>
+              <a:rPr lang="en-US" dirty="0"/>
+              <a:t>On clicking the calculate Returns the calculator page is </a:t>
+            </a:r>
+            <a:r>
+              <a:rPr lang="en-US" dirty="0" err="1"/>
+              <a:t>opened,which</a:t>
+            </a:r>
+            <a:r>
+              <a:rPr lang="en-US" dirty="0"/>
+              <a:t> takes the deposit name and the </a:t>
+            </a:r>
+            <a:r>
+              <a:rPr lang="en-US" dirty="0" err="1"/>
+              <a:t>roi</a:t>
+            </a:r>
+            <a:r>
+              <a:rPr lang="en-US" dirty="0"/>
+              <a:t> from the card.</a:t>
+            </a:r>
+          </a:p>
+          <a:p>
+            <a:r>
+              <a:rPr lang="en-US" dirty="0"/>
+              <a:t>The user must enter the tenure and the amount to calculate the maturity amount.</a:t>
+            </a:r>
+          </a:p>
+          <a:p>
+            <a:r>
+              <a:rPr lang="en-US" dirty="0"/>
+              <a:t>The error messages will be displayed if the amount and tenure specified is invalid.</a:t>
+            </a:r>
+          </a:p>
+          <a:p>
+            <a:r>
+              <a:rPr lang="en-US" dirty="0"/>
+              <a:t>On clicking the calculate button the maturity amount will be calculated.</a:t>
+            </a:r>
+          </a:p>
+        </p:txBody>
+      </p:sp>
     </p:spTree>
     <p:extLst>
       <p:ext uri="{BB962C8B-B14F-4D97-AF65-F5344CB8AC3E}">
-        <p14:creationId xmlns:p14="http://schemas.microsoft.com/office/powerpoint/2010/main" val="1548138539"/>
+        <p14:creationId xmlns:p14="http://schemas.microsoft.com/office/powerpoint/2010/main" val="4166790413"/>
       </p:ext>
     </p:extLst>
   </p:cSld>
@@ -4899,7 +5196,7 @@
           <p:cNvPr id="2" name="Title 1">
             <a:extLst>
               <a:ext uri="{FF2B5EF4-FFF2-40B4-BE49-F238E27FC236}">
-                <a16:creationId xmlns:a16="http://schemas.microsoft.com/office/drawing/2014/main" id="{2A881224-9B03-6CDD-E2A0-FB3DB02B8503}"/>
+                <a16:creationId xmlns:a16="http://schemas.microsoft.com/office/drawing/2014/main" id="{2BA08951-66D6-0A02-6EF0-52AD9F6CE2CA}"/>
               </a:ext>
             </a:extLst>
           </p:cNvPr>
@@ -4912,29 +5209,27 @@
         </p:nvSpPr>
         <p:spPr>
           <a:xfrm>
-            <a:off x="761801" y="538480"/>
-            <a:ext cx="10380573" cy="822961"/>
-          </a:xfrm>
-        </p:spPr>
-        <p:txBody>
-          <a:bodyPr>
-            <a:normAutofit/>
-          </a:bodyPr>
+            <a:off x="761801" y="101601"/>
+            <a:ext cx="10380573" cy="894080"/>
+          </a:xfrm>
+        </p:spPr>
+        <p:txBody>
+          <a:bodyPr/>
           <a:lstStyle/>
           <a:p>
             <a:r>
               <a:rPr lang="en-US" dirty="0"/>
-              <a:t>Architecture Diagram</a:t>
+              <a:t>ER Diagram</a:t>
             </a:r>
           </a:p>
         </p:txBody>
       </p:sp>
       <p:pic>
         <p:nvPicPr>
-          <p:cNvPr id="3074" name="Picture 2">
+          <p:cNvPr id="1026" name="Picture 2">
             <a:extLst>
               <a:ext uri="{FF2B5EF4-FFF2-40B4-BE49-F238E27FC236}">
-                <a16:creationId xmlns:a16="http://schemas.microsoft.com/office/drawing/2014/main" id="{1D3DB8E6-91BA-DE42-6332-AB35A0D36AAC}"/>
+                <a16:creationId xmlns:a16="http://schemas.microsoft.com/office/drawing/2014/main" id="{C46FC689-F708-41D1-347D-5CE4161DA4EA}"/>
               </a:ext>
             </a:extLst>
           </p:cNvPr>
@@ -4960,8 +5255,8 @@
         </p:blipFill>
         <p:spPr bwMode="auto">
           <a:xfrm>
-            <a:off x="761801" y="1533525"/>
-            <a:ext cx="10464999" cy="4867275"/>
+            <a:off x="680720" y="1168400"/>
+            <a:ext cx="10461654" cy="5394960"/>
           </a:xfrm>
           <a:prstGeom prst="rect">
             <a:avLst/>
@@ -4981,7 +5276,7 @@
     </p:spTree>
     <p:extLst>
       <p:ext uri="{BB962C8B-B14F-4D97-AF65-F5344CB8AC3E}">
-        <p14:creationId xmlns:p14="http://schemas.microsoft.com/office/powerpoint/2010/main" val="2901470570"/>
+        <p14:creationId xmlns:p14="http://schemas.microsoft.com/office/powerpoint/2010/main" val="2415892304"/>
       </p:ext>
     </p:extLst>
   </p:cSld>
@@ -5013,7 +5308,7 @@
           <p:cNvPr id="2" name="Title 1">
             <a:extLst>
               <a:ext uri="{FF2B5EF4-FFF2-40B4-BE49-F238E27FC236}">
-                <a16:creationId xmlns:a16="http://schemas.microsoft.com/office/drawing/2014/main" id="{903E5DC0-82CC-8F26-E395-50B70F43BB17}"/>
+                <a16:creationId xmlns:a16="http://schemas.microsoft.com/office/drawing/2014/main" id="{BE7C9FC2-3CFF-DFC6-1B48-33FC31FC8F0F}"/>
               </a:ext>
             </a:extLst>
           </p:cNvPr>
@@ -5026,8 +5321,8 @@
         </p:nvSpPr>
         <p:spPr>
           <a:xfrm>
-            <a:off x="889462" y="858982"/>
-            <a:ext cx="10252912" cy="313113"/>
+            <a:off x="761801" y="254000"/>
+            <a:ext cx="10380573" cy="592085"/>
           </a:xfrm>
         </p:spPr>
         <p:txBody>
@@ -5036,45 +5331,10 @@
           </a:bodyPr>
           <a:lstStyle/>
           <a:p>
-            <a:br>
-              <a:rPr lang="en-US" sz="8800" dirty="0">
-                <a:solidFill>
-                  <a:srgbClr val="FFFFFF"/>
-                </a:solidFill>
-              </a:rPr>
-            </a:br>
-            <a:r>
-              <a:rPr lang="en-US" sz="4000" b="1" dirty="0">
-                <a:solidFill>
-                  <a:schemeClr val="tx1"/>
-                </a:solidFill>
-                <a:latin typeface="Times New Roman" panose="02020603050405020304" pitchFamily="18" charset="0"/>
-                <a:cs typeface="Times New Roman" panose="02020603050405020304" pitchFamily="18" charset="0"/>
-              </a:rPr>
-              <a:t>Jar File</a:t>
-            </a:r>
-            <a:br>
-              <a:rPr lang="en-US" sz="8800" dirty="0">
-                <a:solidFill>
-                  <a:srgbClr val="FFFFFF"/>
-                </a:solidFill>
-              </a:rPr>
-            </a:br>
-            <a:r>
-              <a:rPr lang="en-US" sz="2700" dirty="0">
-                <a:solidFill>
-                  <a:schemeClr val="tx1"/>
-                </a:solidFill>
-                <a:latin typeface="Times New Roman" panose="02020603050405020304" pitchFamily="18" charset="0"/>
-                <a:cs typeface="Times New Roman" panose="02020603050405020304" pitchFamily="18" charset="0"/>
-              </a:rPr>
-              <a:t>mybankdeposit-0.0.1-SNAPSHOT.jar</a:t>
-            </a:r>
-            <a:endParaRPr lang="en-US" sz="2700" dirty="0">
-              <a:solidFill>
-                <a:schemeClr val="tx1"/>
-              </a:solidFill>
-            </a:endParaRPr>
+            <a:r>
+              <a:rPr lang="en-US" dirty="0"/>
+              <a:t>Flowchart</a:t>
+            </a:r>
           </a:p>
         </p:txBody>
       </p:sp>
@@ -5083,7 +5343,7 @@
           <p:cNvPr id="3" name="Content Placeholder 2">
             <a:extLst>
               <a:ext uri="{FF2B5EF4-FFF2-40B4-BE49-F238E27FC236}">
-                <a16:creationId xmlns:a16="http://schemas.microsoft.com/office/drawing/2014/main" id="{2A926A9C-4C98-17B0-3FDF-533C779E0892}"/>
+                <a16:creationId xmlns:a16="http://schemas.microsoft.com/office/drawing/2014/main" id="{9A277B0C-60D2-65F9-53D2-711729EED0B4}"/>
               </a:ext>
             </a:extLst>
           </p:cNvPr>
@@ -5094,51 +5354,49 @@
             <p:ph idx="1"/>
           </p:nvPr>
         </p:nvSpPr>
-        <p:spPr>
-          <a:xfrm>
-            <a:off x="761799" y="2934394"/>
-            <a:ext cx="10381205" cy="3077522"/>
-          </a:xfrm>
-        </p:spPr>
-        <p:txBody>
-          <a:bodyPr>
-            <a:normAutofit/>
-          </a:bodyPr>
+        <p:spPr/>
+        <p:txBody>
+          <a:bodyPr/>
           <a:lstStyle/>
           <a:p>
-            <a:pPr marL="0" indent="0">
-              <a:buNone/>
-            </a:pPr>
-            <a:r>
-              <a:rPr lang="en-US" sz="2800" b="1" dirty="0" err="1">
-                <a:latin typeface="Times New Roman" panose="02020603050405020304" pitchFamily="18" charset="0"/>
-                <a:cs typeface="Times New Roman" panose="02020603050405020304" pitchFamily="18" charset="0"/>
-              </a:rPr>
-              <a:t>Github</a:t>
-            </a:r>
-            <a:r>
-              <a:rPr lang="en-US" sz="2800" b="1" dirty="0">
-                <a:latin typeface="Times New Roman" panose="02020603050405020304" pitchFamily="18" charset="0"/>
-                <a:cs typeface="Times New Roman" panose="02020603050405020304" pitchFamily="18" charset="0"/>
-              </a:rPr>
-              <a:t> Link</a:t>
-            </a:r>
-          </a:p>
-          <a:p>
-            <a:pPr marL="0" indent="0">
-              <a:buNone/>
-            </a:pPr>
-            <a:r>
-              <a:rPr lang="en-US" sz="2400" dirty="0"/>
-              <a:t>https://github.com/Akshirahegde/DLTE-JAVA-FULL-STACK-AKSHIRA-2024/tree/master/DLTE-MYBANK-PROJECT</a:t>
-            </a:r>
-          </a:p>
-        </p:txBody>
-      </p:sp>
+            <a:endParaRPr lang="en-US"/>
+          </a:p>
+        </p:txBody>
+      </p:sp>
+      <p:pic>
+        <p:nvPicPr>
+          <p:cNvPr id="5" name="Picture 4">
+            <a:extLst>
+              <a:ext uri="{FF2B5EF4-FFF2-40B4-BE49-F238E27FC236}">
+                <a16:creationId xmlns:a16="http://schemas.microsoft.com/office/drawing/2014/main" id="{567AE706-0F9F-5233-C0D8-CFE7C567C4D3}"/>
+              </a:ext>
+            </a:extLst>
+          </p:cNvPr>
+          <p:cNvPicPr>
+            <a:picLocks noChangeAspect="1"/>
+          </p:cNvPicPr>
+          <p:nvPr/>
+        </p:nvPicPr>
+        <p:blipFill>
+          <a:blip r:embed="rId2"/>
+          <a:stretch>
+            <a:fillRect/>
+          </a:stretch>
+        </p:blipFill>
+        <p:spPr>
+          <a:xfrm>
+            <a:off x="761802" y="1544321"/>
+            <a:ext cx="10566598" cy="4580476"/>
+          </a:xfrm>
+          <a:prstGeom prst="rect">
+            <a:avLst/>
+          </a:prstGeom>
+        </p:spPr>
+      </p:pic>
     </p:spTree>
     <p:extLst>
       <p:ext uri="{BB962C8B-B14F-4D97-AF65-F5344CB8AC3E}">
-        <p14:creationId xmlns:p14="http://schemas.microsoft.com/office/powerpoint/2010/main" val="1244954861"/>
+        <p14:creationId xmlns:p14="http://schemas.microsoft.com/office/powerpoint/2010/main" val="1548138539"/>
       </p:ext>
     </p:extLst>
   </p:cSld>
@@ -5170,7 +5428,7 @@
           <p:cNvPr id="2" name="Title 1">
             <a:extLst>
               <a:ext uri="{FF2B5EF4-FFF2-40B4-BE49-F238E27FC236}">
-                <a16:creationId xmlns:a16="http://schemas.microsoft.com/office/drawing/2014/main" id="{532D2CFE-28F7-EA2F-F425-C1E2BE06F928}"/>
+                <a16:creationId xmlns:a16="http://schemas.microsoft.com/office/drawing/2014/main" id="{2A881224-9B03-6CDD-E2A0-FB3DB02B8503}"/>
               </a:ext>
             </a:extLst>
           </p:cNvPr>
@@ -5183,38 +5441,8 @@
         </p:nvSpPr>
         <p:spPr>
           <a:xfrm>
-            <a:off x="260466" y="509590"/>
-            <a:ext cx="10058400" cy="1371600"/>
-          </a:xfrm>
-        </p:spPr>
-        <p:txBody>
-          <a:bodyPr/>
-          <a:lstStyle/>
-          <a:p>
-            <a:endParaRPr lang="en-US" dirty="0"/>
-          </a:p>
-        </p:txBody>
-      </p:sp>
-      <p:sp>
-        <p:nvSpPr>
-          <p:cNvPr id="3" name="Content Placeholder 2">
-            <a:extLst>
-              <a:ext uri="{FF2B5EF4-FFF2-40B4-BE49-F238E27FC236}">
-                <a16:creationId xmlns:a16="http://schemas.microsoft.com/office/drawing/2014/main" id="{758D1AD4-3B14-920E-A328-68DDE5442681}"/>
-              </a:ext>
-            </a:extLst>
-          </p:cNvPr>
-          <p:cNvSpPr>
-            <a:spLocks noGrp="1"/>
-          </p:cNvSpPr>
-          <p:nvPr>
-            <p:ph idx="1"/>
-          </p:nvPr>
-        </p:nvSpPr>
-        <p:spPr>
-          <a:xfrm>
-            <a:off x="3616036" y="2892828"/>
-            <a:ext cx="7509164" cy="3142211"/>
+            <a:off x="761801" y="538480"/>
+            <a:ext cx="10380573" cy="822961"/>
           </a:xfrm>
         </p:spPr>
         <p:txBody>
@@ -5223,23 +5451,263 @@
           </a:bodyPr>
           <a:lstStyle/>
           <a:p>
-            <a:pPr marL="0" indent="0">
-              <a:buNone/>
-            </a:pPr>
-            <a:r>
-              <a:rPr lang="en-US" sz="4800" dirty="0">
-                <a:latin typeface="Times New Roman" panose="02020603050405020304" pitchFamily="18" charset="0"/>
-                <a:cs typeface="Times New Roman" panose="02020603050405020304" pitchFamily="18" charset="0"/>
-              </a:rPr>
-              <a:t>THANK YOU</a:t>
-            </a:r>
-          </a:p>
-        </p:txBody>
-      </p:sp>
+            <a:r>
+              <a:rPr lang="en-US" dirty="0"/>
+              <a:t>Architecture Diagram</a:t>
+            </a:r>
+          </a:p>
+        </p:txBody>
+      </p:sp>
+      <p:sp>
+        <p:nvSpPr>
+          <p:cNvPr id="3" name="Content Placeholder 2">
+            <a:extLst>
+              <a:ext uri="{FF2B5EF4-FFF2-40B4-BE49-F238E27FC236}">
+                <a16:creationId xmlns:a16="http://schemas.microsoft.com/office/drawing/2014/main" id="{DAB77B6D-121D-05FF-F466-9673720889D1}"/>
+              </a:ext>
+            </a:extLst>
+          </p:cNvPr>
+          <p:cNvSpPr>
+            <a:spLocks noGrp="1"/>
+          </p:cNvSpPr>
+          <p:nvPr>
+            <p:ph idx="1"/>
+          </p:nvPr>
+        </p:nvSpPr>
+        <p:spPr/>
+        <p:txBody>
+          <a:bodyPr/>
+          <a:lstStyle/>
+          <a:p>
+            <a:endParaRPr lang="en-US"/>
+          </a:p>
+        </p:txBody>
+      </p:sp>
+      <p:pic>
+        <p:nvPicPr>
+          <p:cNvPr id="1026" name="Picture 2" descr="A diagram of a bank&#10;&#10;Description automatically generated">
+            <a:extLst>
+              <a:ext uri="{FF2B5EF4-FFF2-40B4-BE49-F238E27FC236}">
+                <a16:creationId xmlns:a16="http://schemas.microsoft.com/office/drawing/2014/main" id="{9DBBBC7B-0A2D-4C14-5C27-415666F725F6}"/>
+              </a:ext>
+            </a:extLst>
+          </p:cNvPr>
+          <p:cNvPicPr>
+            <a:picLocks noChangeAspect="1" noChangeArrowheads="1"/>
+          </p:cNvPicPr>
+          <p:nvPr/>
+        </p:nvPicPr>
+        <p:blipFill>
+          <a:blip r:embed="rId2">
+            <a:extLst>
+              <a:ext uri="{28A0092B-C50C-407E-A947-70E740481C1C}">
+                <a14:useLocalDpi xmlns:a14="http://schemas.microsoft.com/office/drawing/2010/main" val="0"/>
+              </a:ext>
+            </a:extLst>
+          </a:blip>
+          <a:srcRect/>
+          <a:stretch>
+            <a:fillRect/>
+          </a:stretch>
+        </p:blipFill>
+        <p:spPr bwMode="auto">
+          <a:xfrm>
+            <a:off x="481263" y="1572126"/>
+            <a:ext cx="11181347" cy="4462914"/>
+          </a:xfrm>
+          <a:prstGeom prst="rect">
+            <a:avLst/>
+          </a:prstGeom>
+          <a:noFill/>
+          <a:extLst>
+            <a:ext uri="{909E8E84-426E-40DD-AFC4-6F175D3DCCD1}">
+              <a14:hiddenFill xmlns:a14="http://schemas.microsoft.com/office/drawing/2010/main">
+                <a:solidFill>
+                  <a:srgbClr val="FFFFFF"/>
+                </a:solidFill>
+              </a14:hiddenFill>
+            </a:ext>
+          </a:extLst>
+        </p:spPr>
+      </p:pic>
     </p:spTree>
     <p:extLst>
       <p:ext uri="{BB962C8B-B14F-4D97-AF65-F5344CB8AC3E}">
-        <p14:creationId xmlns:p14="http://schemas.microsoft.com/office/powerpoint/2010/main" val="1664934840"/>
+        <p14:creationId xmlns:p14="http://schemas.microsoft.com/office/powerpoint/2010/main" val="2901470570"/>
+      </p:ext>
+    </p:extLst>
+  </p:cSld>
+  <p:clrMapOvr>
+    <a:masterClrMapping/>
+  </p:clrMapOvr>
+</p:sld>
+</file>
+
+<file path=ppt/slides/slide8.xml><?xml version="1.0" encoding="utf-8"?>
+<p:sld xmlns:a="http://schemas.openxmlformats.org/drawingml/2006/main" xmlns:r="http://schemas.openxmlformats.org/officeDocument/2006/relationships" xmlns:p="http://schemas.openxmlformats.org/presentationml/2006/main">
+  <p:cSld>
+    <p:spTree>
+      <p:nvGrpSpPr>
+        <p:cNvPr id="1" name=""/>
+        <p:cNvGrpSpPr/>
+        <p:nvPr/>
+      </p:nvGrpSpPr>
+      <p:grpSpPr>
+        <a:xfrm>
+          <a:off x="0" y="0"/>
+          <a:ext cx="0" cy="0"/>
+          <a:chOff x="0" y="0"/>
+          <a:chExt cx="0" cy="0"/>
+        </a:xfrm>
+      </p:grpSpPr>
+      <p:sp>
+        <p:nvSpPr>
+          <p:cNvPr id="2" name="Title 1">
+            <a:extLst>
+              <a:ext uri="{FF2B5EF4-FFF2-40B4-BE49-F238E27FC236}">
+                <a16:creationId xmlns:a16="http://schemas.microsoft.com/office/drawing/2014/main" id="{2EA2185D-47C3-47A1-3A99-87E42478AC57}"/>
+              </a:ext>
+            </a:extLst>
+          </p:cNvPr>
+          <p:cNvSpPr>
+            <a:spLocks noGrp="1"/>
+          </p:cNvSpPr>
+          <p:nvPr>
+            <p:ph type="title"/>
+          </p:nvPr>
+        </p:nvSpPr>
+        <p:spPr/>
+        <p:txBody>
+          <a:bodyPr/>
+          <a:lstStyle/>
+          <a:p>
+            <a:r>
+              <a:rPr lang="en-US" dirty="0"/>
+              <a:t>View Deposits Page</a:t>
+            </a:r>
+          </a:p>
+        </p:txBody>
+      </p:sp>
+      <p:pic>
+        <p:nvPicPr>
+          <p:cNvPr id="5" name="Content Placeholder 4">
+            <a:extLst>
+              <a:ext uri="{FF2B5EF4-FFF2-40B4-BE49-F238E27FC236}">
+                <a16:creationId xmlns:a16="http://schemas.microsoft.com/office/drawing/2014/main" id="{ED2FADDB-62FE-050F-AFA5-A75E0026C031}"/>
+              </a:ext>
+            </a:extLst>
+          </p:cNvPr>
+          <p:cNvPicPr>
+            <a:picLocks noGrp="1" noChangeAspect="1"/>
+          </p:cNvPicPr>
+          <p:nvPr>
+            <p:ph idx="1"/>
+          </p:nvPr>
+        </p:nvPicPr>
+        <p:blipFill>
+          <a:blip r:embed="rId2"/>
+          <a:stretch>
+            <a:fillRect/>
+          </a:stretch>
+        </p:blipFill>
+        <p:spPr>
+          <a:xfrm>
+            <a:off x="657727" y="1796716"/>
+            <a:ext cx="10828420" cy="4238959"/>
+          </a:xfrm>
+        </p:spPr>
+      </p:pic>
+    </p:spTree>
+    <p:extLst>
+      <p:ext uri="{BB962C8B-B14F-4D97-AF65-F5344CB8AC3E}">
+        <p14:creationId xmlns:p14="http://schemas.microsoft.com/office/powerpoint/2010/main" val="1570986222"/>
+      </p:ext>
+    </p:extLst>
+  </p:cSld>
+  <p:clrMapOvr>
+    <a:masterClrMapping/>
+  </p:clrMapOvr>
+</p:sld>
+</file>
+
+<file path=ppt/slides/slide9.xml><?xml version="1.0" encoding="utf-8"?>
+<p:sld xmlns:a="http://schemas.openxmlformats.org/drawingml/2006/main" xmlns:r="http://schemas.openxmlformats.org/officeDocument/2006/relationships" xmlns:p="http://schemas.openxmlformats.org/presentationml/2006/main">
+  <p:cSld>
+    <p:spTree>
+      <p:nvGrpSpPr>
+        <p:cNvPr id="1" name=""/>
+        <p:cNvGrpSpPr/>
+        <p:nvPr/>
+      </p:nvGrpSpPr>
+      <p:grpSpPr>
+        <a:xfrm>
+          <a:off x="0" y="0"/>
+          <a:ext cx="0" cy="0"/>
+          <a:chOff x="0" y="0"/>
+          <a:chExt cx="0" cy="0"/>
+        </a:xfrm>
+      </p:grpSpPr>
+      <p:sp>
+        <p:nvSpPr>
+          <p:cNvPr id="2" name="Title 1">
+            <a:extLst>
+              <a:ext uri="{FF2B5EF4-FFF2-40B4-BE49-F238E27FC236}">
+                <a16:creationId xmlns:a16="http://schemas.microsoft.com/office/drawing/2014/main" id="{CC0003E4-C9C7-2539-9F27-02689294DE7A}"/>
+              </a:ext>
+            </a:extLst>
+          </p:cNvPr>
+          <p:cNvSpPr>
+            <a:spLocks noGrp="1"/>
+          </p:cNvSpPr>
+          <p:nvPr>
+            <p:ph type="title"/>
+          </p:nvPr>
+        </p:nvSpPr>
+        <p:spPr/>
+        <p:txBody>
+          <a:bodyPr/>
+          <a:lstStyle/>
+          <a:p>
+            <a:r>
+              <a:rPr lang="en-US" dirty="0"/>
+              <a:t>Calculator Page</a:t>
+            </a:r>
+          </a:p>
+        </p:txBody>
+      </p:sp>
+      <p:pic>
+        <p:nvPicPr>
+          <p:cNvPr id="5" name="Content Placeholder 4">
+            <a:extLst>
+              <a:ext uri="{FF2B5EF4-FFF2-40B4-BE49-F238E27FC236}">
+                <a16:creationId xmlns:a16="http://schemas.microsoft.com/office/drawing/2014/main" id="{FE2A41DE-605B-ED13-91F9-9AC43483FE2C}"/>
+              </a:ext>
+            </a:extLst>
+          </p:cNvPr>
+          <p:cNvPicPr>
+            <a:picLocks noGrp="1" noChangeAspect="1"/>
+          </p:cNvPicPr>
+          <p:nvPr>
+            <p:ph idx="1"/>
+          </p:nvPr>
+        </p:nvPicPr>
+        <p:blipFill>
+          <a:blip r:embed="rId2"/>
+          <a:stretch>
+            <a:fillRect/>
+          </a:stretch>
+        </p:blipFill>
+        <p:spPr>
+          <a:xfrm>
+            <a:off x="802105" y="1732548"/>
+            <a:ext cx="10876547" cy="4315326"/>
+          </a:xfrm>
+        </p:spPr>
+      </p:pic>
+    </p:spTree>
+    <p:extLst>
+      <p:ext uri="{BB962C8B-B14F-4D97-AF65-F5344CB8AC3E}">
+        <p14:creationId xmlns:p14="http://schemas.microsoft.com/office/powerpoint/2010/main" val="3455071781"/>
       </p:ext>
     </p:extLst>
   </p:cSld>
